--- a/190530 자율주행 레이싱 대회 일정.pptx
+++ b/190530 자율주행 레이싱 대회 일정.pptx
@@ -14,7 +14,7 @@
     <p:sldId id="259" r:id="rId5"/>
   </p:sldIdLst>
   <p:sldSz cx="9906000" cy="6858000" type="A4"/>
-  <p:notesSz cx="6858000" cy="9144000"/>
+  <p:notesSz cx="6888163" cy="10020300"/>
   <p:defaultTextStyle>
     <a:defPPr>
       <a:defRPr lang="en-US"/>
@@ -383,15 +383,15 @@
         </p:nvSpPr>
         <p:spPr>
           <a:xfrm>
-            <a:off x="0" y="1"/>
-            <a:ext cx="2971800" cy="458788"/>
+            <a:off x="1" y="1"/>
+            <a:ext cx="2984870" cy="502755"/>
           </a:xfrm>
           <a:prstGeom prst="rect">
             <a:avLst/>
           </a:prstGeom>
         </p:spPr>
         <p:txBody>
-          <a:bodyPr vert="horz" lIns="91440" tIns="45720" rIns="91440" bIns="45720" rtlCol="0"/>
+          <a:bodyPr vert="horz" lIns="92437" tIns="46218" rIns="92437" bIns="46218" rtlCol="0"/>
           <a:lstStyle>
             <a:lvl1pPr algn="l">
               <a:defRPr sz="1200"/>
@@ -414,15 +414,15 @@
         </p:nvSpPr>
         <p:spPr>
           <a:xfrm>
-            <a:off x="3884613" y="1"/>
-            <a:ext cx="2971800" cy="458788"/>
+            <a:off x="3901699" y="1"/>
+            <a:ext cx="2984870" cy="502755"/>
           </a:xfrm>
           <a:prstGeom prst="rect">
             <a:avLst/>
           </a:prstGeom>
         </p:spPr>
         <p:txBody>
-          <a:bodyPr vert="horz" lIns="91440" tIns="45720" rIns="91440" bIns="45720" rtlCol="0"/>
+          <a:bodyPr vert="horz" lIns="92437" tIns="46218" rIns="92437" bIns="46218" rtlCol="0"/>
           <a:lstStyle>
             <a:lvl1pPr algn="r">
               <a:defRPr sz="1200"/>
@@ -431,7 +431,7 @@
           <a:p>
             <a:fld id="{60456C2F-1F67-44A5-80B0-9C3A6CA33C82}" type="datetimeFigureOut">
               <a:rPr lang="en-US" smtClean="0"/>
-              <a:t>5/30/2019</a:t>
+              <a:t>6/8/2019</a:t>
             </a:fld>
             <a:endParaRPr lang="en-US"/>
           </a:p>
@@ -449,8 +449,8 @@
         </p:nvSpPr>
         <p:spPr>
           <a:xfrm>
-            <a:off x="1200150" y="1143000"/>
-            <a:ext cx="4457700" cy="3086100"/>
+            <a:off x="1001713" y="1252538"/>
+            <a:ext cx="4884737" cy="3381375"/>
           </a:xfrm>
           <a:prstGeom prst="rect">
             <a:avLst/>
@@ -463,7 +463,7 @@
           </a:ln>
         </p:spPr>
         <p:txBody>
-          <a:bodyPr vert="horz" lIns="91440" tIns="45720" rIns="91440" bIns="45720" rtlCol="0" anchor="ctr"/>
+          <a:bodyPr vert="horz" lIns="92437" tIns="46218" rIns="92437" bIns="46218" rtlCol="0" anchor="ctr"/>
           <a:lstStyle/>
           <a:p>
             <a:endParaRPr lang="en-US"/>
@@ -482,15 +482,15 @@
         </p:nvSpPr>
         <p:spPr>
           <a:xfrm>
-            <a:off x="685800" y="4400549"/>
-            <a:ext cx="5486400" cy="3600451"/>
+            <a:off x="688817" y="4822269"/>
+            <a:ext cx="5510530" cy="3945495"/>
           </a:xfrm>
           <a:prstGeom prst="rect">
             <a:avLst/>
           </a:prstGeom>
         </p:spPr>
         <p:txBody>
-          <a:bodyPr vert="horz" lIns="91440" tIns="45720" rIns="91440" bIns="45720" rtlCol="0"/>
+          <a:bodyPr vert="horz" lIns="92437" tIns="46218" rIns="92437" bIns="46218" rtlCol="0"/>
           <a:lstStyle/>
           <a:p>
             <a:pPr lvl="0"/>
@@ -542,15 +542,15 @@
         </p:nvSpPr>
         <p:spPr>
           <a:xfrm>
-            <a:off x="0" y="8685213"/>
-            <a:ext cx="2971800" cy="458787"/>
+            <a:off x="1" y="9517546"/>
+            <a:ext cx="2984870" cy="502754"/>
           </a:xfrm>
           <a:prstGeom prst="rect">
             <a:avLst/>
           </a:prstGeom>
         </p:spPr>
         <p:txBody>
-          <a:bodyPr vert="horz" lIns="91440" tIns="45720" rIns="91440" bIns="45720" rtlCol="0" anchor="b"/>
+          <a:bodyPr vert="horz" lIns="92437" tIns="46218" rIns="92437" bIns="46218" rtlCol="0" anchor="b"/>
           <a:lstStyle>
             <a:lvl1pPr algn="l">
               <a:defRPr sz="1200"/>
@@ -573,15 +573,15 @@
         </p:nvSpPr>
         <p:spPr>
           <a:xfrm>
-            <a:off x="3884613" y="8685213"/>
-            <a:ext cx="2971800" cy="458787"/>
+            <a:off x="3901699" y="9517546"/>
+            <a:ext cx="2984870" cy="502754"/>
           </a:xfrm>
           <a:prstGeom prst="rect">
             <a:avLst/>
           </a:prstGeom>
         </p:spPr>
         <p:txBody>
-          <a:bodyPr vert="horz" lIns="91440" tIns="45720" rIns="91440" bIns="45720" rtlCol="0" anchor="b"/>
+          <a:bodyPr vert="horz" lIns="92437" tIns="46218" rIns="92437" bIns="46218" rtlCol="0" anchor="b"/>
           <a:lstStyle>
             <a:lvl1pPr algn="r">
               <a:defRPr sz="1200"/>
@@ -830,7 +830,7 @@
           <a:p>
             <a:fld id="{4A1AAD8B-57F1-4F57-81CA-1CCC136B5B0C}" type="datetime1">
               <a:rPr lang="ko-KR" altLang="en-US" smtClean="0"/>
-              <a:t>2019-05-30</a:t>
+              <a:t>2019-06-08</a:t>
             </a:fld>
             <a:endParaRPr lang="en-US"/>
           </a:p>
@@ -1004,7 +1004,7 @@
           <a:p>
             <a:fld id="{4432F648-0651-47FC-99C3-8AA69E6D89A6}" type="datetime1">
               <a:rPr lang="ko-KR" altLang="en-US" smtClean="0"/>
-              <a:t>2019-05-30</a:t>
+              <a:t>2019-06-08</a:t>
             </a:fld>
             <a:endParaRPr lang="en-US"/>
           </a:p>
@@ -1340,7 +1340,7 @@
           <a:p>
             <a:fld id="{7E8C43AF-1F0C-401D-9FD9-CACAC12B35C3}" type="datetime1">
               <a:rPr lang="ko-KR" altLang="en-US" smtClean="0"/>
-              <a:t>2019-05-30</a:t>
+              <a:t>2019-06-08</a:t>
             </a:fld>
             <a:endParaRPr lang="en-US"/>
           </a:p>
@@ -1619,7 +1619,7 @@
           <a:p>
             <a:fld id="{91B0ADF6-6AF4-4C18-86BB-F621870C5BBF}" type="datetime1">
               <a:rPr lang="ko-KR" altLang="en-US" smtClean="0"/>
-              <a:t>2019-05-30</a:t>
+              <a:t>2019-06-08</a:t>
             </a:fld>
             <a:endParaRPr lang="en-US"/>
           </a:p>
@@ -1935,7 +1935,7 @@
           <a:p>
             <a:fld id="{74944D0F-534C-4252-9C85-1D6A4C5FDE0A}" type="datetime1">
               <a:rPr lang="ko-KR" altLang="en-US" smtClean="0"/>
-              <a:t>2019-05-30</a:t>
+              <a:t>2019-06-08</a:t>
             </a:fld>
             <a:endParaRPr lang="en-US"/>
           </a:p>
@@ -2349,7 +2349,7 @@
           <a:p>
             <a:fld id="{E3E90CDA-6FF2-404F-BA13-D56BE7A6B01F}" type="datetime1">
               <a:rPr lang="ko-KR" altLang="en-US" smtClean="0"/>
-              <a:t>2019-05-30</a:t>
+              <a:t>2019-06-08</a:t>
             </a:fld>
             <a:endParaRPr lang="en-US"/>
           </a:p>
@@ -2471,7 +2471,7 @@
           <a:p>
             <a:fld id="{9B17A4B3-68FE-4E24-A762-D6DCE961FEAA}" type="datetime1">
               <a:rPr lang="ko-KR" altLang="en-US" smtClean="0"/>
-              <a:t>2019-05-30</a:t>
+              <a:t>2019-06-08</a:t>
             </a:fld>
             <a:endParaRPr lang="en-US"/>
           </a:p>
@@ -2618,7 +2618,7 @@
           <a:p>
             <a:fld id="{DF4AD38A-0C43-4B34-A2E6-76B4C23A3031}" type="datetime1">
               <a:rPr lang="ko-KR" altLang="en-US" smtClean="0"/>
-              <a:t>2019-05-30</a:t>
+              <a:t>2019-06-08</a:t>
             </a:fld>
             <a:endParaRPr lang="en-US"/>
           </a:p>
@@ -2837,7 +2837,7 @@
           <a:p>
             <a:fld id="{80FE9666-6FD0-42C8-BA6C-3C1DFE31E28B}" type="datetime1">
               <a:rPr lang="ko-KR" altLang="en-US" smtClean="0"/>
-              <a:t>2019-05-30</a:t>
+              <a:t>2019-06-08</a:t>
             </a:fld>
             <a:endParaRPr lang="en-US"/>
           </a:p>
@@ -3550,11 +3550,7 @@
             </a:r>
             <a:r>
               <a:rPr lang="ko-KR" altLang="en-US"/>
-              <a:t>차량 및 노트북은 개인이 </a:t>
-            </a:r>
-            <a:r>
-              <a:rPr lang="ko-KR" altLang="en-US"/>
-              <a:t>직접 </a:t>
+              <a:t>차량 및 노트북은 개인이 직접 </a:t>
             </a:r>
             <a:r>
               <a:rPr lang="ko-KR" altLang="en-US" smtClean="0"/>
@@ -3694,7 +3690,7 @@
           <a:p>
             <a:fld id="{0A6664A7-F427-4CE6-B4E0-68F20D477FC0}" type="datetime1">
               <a:rPr lang="ko-KR" altLang="en-US" smtClean="0"/>
-              <a:t>2019-05-30</a:t>
+              <a:t>2019-06-08</a:t>
             </a:fld>
             <a:endParaRPr lang="en-US"/>
           </a:p>
@@ -3990,7 +3986,7 @@
           <a:p>
             <a:fld id="{0A6664A7-F427-4CE6-B4E0-68F20D477FC0}" type="datetime1">
               <a:rPr lang="ko-KR" altLang="en-US" smtClean="0"/>
-              <a:t>2019-05-30</a:t>
+              <a:t>2019-06-08</a:t>
             </a:fld>
             <a:endParaRPr lang="en-US"/>
           </a:p>
@@ -4145,7 +4141,7 @@
           <a:p>
             <a:fld id="{1E7F0741-456D-4C73-B2A0-675AC2385E98}" type="datetime1">
               <a:rPr lang="ko-KR" altLang="en-US" smtClean="0"/>
-              <a:t>2019-05-30</a:t>
+              <a:t>2019-06-08</a:t>
             </a:fld>
             <a:endParaRPr lang="en-US"/>
           </a:p>
